--- a/docs/Konzept.pptx
+++ b/docs/Konzept.pptx
@@ -3545,11 +3545,17 @@
             <p:ph type="title"/>
           </p:nvPr>
         </p:nvSpPr>
-        <p:spPr/>
-        <p:txBody>
-          <a:bodyPr/>
-          <a:lstStyle/>
-          <a:p>
+        <p:spPr>
+          <a:xfrm>
+            <a:off x="838200" y="365125"/>
+            <a:ext cx="1326266" cy="5811838"/>
+          </a:xfrm>
+        </p:spPr>
+        <p:txBody>
+          <a:bodyPr vert="vert270"/>
+          <a:lstStyle/>
+          <a:p>
+            <a:pPr algn="r"/>
             <a:r>
               <a:rPr lang="de-DE" dirty="0"/>
               <a:t>Anwendungsfälle</a:t>
@@ -3573,10 +3579,15 @@
             <p:ph idx="1"/>
           </p:nvPr>
         </p:nvSpPr>
-        <p:spPr/>
+        <p:spPr>
+          <a:xfrm>
+            <a:off x="2164466" y="365125"/>
+            <a:ext cx="9189334" cy="5811838"/>
+          </a:xfrm>
+        </p:spPr>
         <p:txBody>
           <a:bodyPr>
-            <a:normAutofit lnSpcReduction="10000"/>
+            <a:normAutofit fontScale="85000" lnSpcReduction="20000"/>
           </a:bodyPr>
           <a:lstStyle/>
           <a:p>
@@ -3594,13 +3605,82 @@
             </a:r>
           </a:p>
           <a:p>
+            <a:pPr lvl="1"/>
             <a:r>
               <a:rPr lang="de-DE" dirty="0"/>
-              <a:t>Schätzung erstellen: Aufgaben, Aufwand </a:t>
-            </a:r>
-            <a:r>
-              <a:rPr lang="de-DE"/>
-              <a:t>(Excel</a:t>
+              <a:t>Aktionen am Projekt ohne Aufgabe</a:t>
+            </a:r>
+          </a:p>
+          <a:p>
+            <a:pPr lvl="1"/>
+            <a:r>
+              <a:rPr lang="de-DE" dirty="0" err="1"/>
+              <a:t>Templat</a:t>
+            </a:r>
+            <a:r>
+              <a:rPr lang="de-DE" dirty="0"/>
+              <a:t>-Projekte</a:t>
+            </a:r>
+          </a:p>
+          <a:p>
+            <a:pPr lvl="1"/>
+            <a:r>
+              <a:rPr lang="de-DE" dirty="0"/>
+              <a:t>Aufgabenliste anhand Termine (von-bis)</a:t>
+            </a:r>
+          </a:p>
+          <a:p>
+            <a:r>
+              <a:rPr lang="de-DE" dirty="0"/>
+              <a:t>Schätzung erstellen: Aufgaben, Aufwand (Excel)</a:t>
+            </a:r>
+          </a:p>
+          <a:p>
+            <a:pPr lvl="1"/>
+            <a:r>
+              <a:rPr lang="de-DE" dirty="0"/>
+              <a:t>Summe der Aufwände</a:t>
+            </a:r>
+          </a:p>
+          <a:p>
+            <a:r>
+              <a:rPr lang="de-DE" dirty="0"/>
+              <a:t>Angebot (Excel, Word)</a:t>
+            </a:r>
+          </a:p>
+          <a:p>
+            <a:r>
+              <a:rPr lang="de-DE" dirty="0"/>
+              <a:t>Projektplanung: Aufgabenzuordnung, Einsatzplan (Excel)</a:t>
+            </a:r>
+          </a:p>
+          <a:p>
+            <a:pPr lvl="1"/>
+            <a:r>
+              <a:rPr lang="de-DE" dirty="0"/>
+              <a:t>Zuordnung in Liste</a:t>
+            </a:r>
+          </a:p>
+          <a:p>
+            <a:pPr lvl="1"/>
+            <a:r>
+              <a:rPr lang="de-DE" dirty="0"/>
+              <a:t>Kompletter Einsatzplan, </a:t>
+            </a:r>
+            <a:r>
+              <a:rPr lang="de-DE" dirty="0" err="1"/>
+              <a:t>Allocation</a:t>
+            </a:r>
+            <a:endParaRPr lang="de-DE" dirty="0"/>
+          </a:p>
+          <a:p>
+            <a:r>
+              <a:rPr lang="de-DE" dirty="0"/>
+              <a:t>Meine Aufgaben: Diskussion, Dokumentation (</a:t>
+            </a:r>
+            <a:r>
+              <a:rPr lang="de-DE" dirty="0" err="1"/>
+              <a:t>Asana</a:t>
             </a:r>
             <a:r>
               <a:rPr lang="de-DE" dirty="0"/>
@@ -3609,24 +3689,16 @@
           </a:p>
           <a:p>
             <a:r>
+              <a:rPr lang="de-DE" dirty="0" err="1"/>
+              <a:t>Timetracking</a:t>
+            </a:r>
+            <a:r>
               <a:rPr lang="de-DE" dirty="0"/>
-              <a:t>Angebot (Excel, Word)</a:t>
-            </a:r>
-          </a:p>
-          <a:p>
-            <a:r>
-              <a:rPr lang="de-DE" dirty="0"/>
-              <a:t>Projektplanung: Aufgabenzuordnung, Einsatzplan (Excel)</a:t>
-            </a:r>
-          </a:p>
-          <a:p>
-            <a:r>
-              <a:rPr lang="de-DE" dirty="0"/>
-              <a:t>Meine Aufgaben: Diskussion, Dokumentation (</a:t>
+              <a:t>, Stundenzettel (</a:t>
             </a:r>
             <a:r>
               <a:rPr lang="de-DE" dirty="0" err="1"/>
-              <a:t>Asana</a:t>
+              <a:t>mite</a:t>
             </a:r>
             <a:r>
               <a:rPr lang="de-DE" dirty="0"/>
@@ -3634,21 +3706,41 @@
             </a:r>
           </a:p>
           <a:p>
+            <a:pPr lvl="1"/>
+            <a:r>
+              <a:rPr lang="de-DE" dirty="0"/>
+              <a:t>Tracking netter machen</a:t>
+            </a:r>
+          </a:p>
+          <a:p>
+            <a:pPr lvl="1"/>
+            <a:r>
+              <a:rPr lang="de-DE" dirty="0"/>
+              <a:t>Stundenzettel übersichtlicher (tag, </a:t>
+            </a:r>
             <a:r>
               <a:rPr lang="de-DE" dirty="0" err="1"/>
-              <a:t>Timetracking</a:t>
+              <a:t>woche</a:t>
             </a:r>
             <a:r>
               <a:rPr lang="de-DE" dirty="0"/>
-              <a:t>, Stundenzettel (</a:t>
+              <a:t>, </a:t>
             </a:r>
             <a:r>
               <a:rPr lang="de-DE" dirty="0" err="1"/>
-              <a:t>mite</a:t>
+              <a:t>monat</a:t>
             </a:r>
             <a:r>
               <a:rPr lang="de-DE" dirty="0"/>
-              <a:t>)</a:t>
+              <a:t>, </a:t>
+            </a:r>
+            <a:r>
+              <a:rPr lang="de-DE" dirty="0" err="1"/>
+              <a:t>jahr</a:t>
+            </a:r>
+            <a:r>
+              <a:rPr lang="de-DE" dirty="0"/>
+              <a:t>, nach Projekt)</a:t>
             </a:r>
           </a:p>
           <a:p>

--- a/docs/Konzept.pptx
+++ b/docs/Konzept.pptx
@@ -3608,7 +3608,7 @@
             <a:pPr lvl="1"/>
             <a:r>
               <a:rPr lang="de-DE" dirty="0"/>
-              <a:t>Aktionen am Projekt ohne Aufgabe</a:t>
+              <a:t>Aktionen am Projekt ohne Aufgabe ✓</a:t>
             </a:r>
           </a:p>
           <a:p>
@@ -3639,7 +3639,7 @@
             <a:pPr lvl="1"/>
             <a:r>
               <a:rPr lang="de-DE" dirty="0"/>
-              <a:t>Summe der Aufwände</a:t>
+              <a:t>Summe der Aufwände ✓</a:t>
             </a:r>
           </a:p>
           <a:p>
@@ -3658,7 +3658,7 @@
             <a:pPr lvl="1"/>
             <a:r>
               <a:rPr lang="de-DE" dirty="0"/>
-              <a:t>Zuordnung in Liste</a:t>
+              <a:t>Zuordnung in Liste ✓</a:t>
             </a:r>
           </a:p>
           <a:p>

--- a/docs/Konzept.pptx
+++ b/docs/Konzept.pptx
@@ -199,7 +199,7 @@
           <a:p>
             <a:fld id="{824F9E63-CA33-1F4A-A454-2A0EF85E32EF}" type="datetimeFigureOut">
               <a:rPr lang="de-DE" smtClean="0"/>
-              <a:t>08.10.18</a:t>
+              <a:t>21.10.18</a:t>
             </a:fld>
             <a:endParaRPr lang="de-DE"/>
           </a:p>
@@ -672,7 +672,7 @@
           <a:p>
             <a:fld id="{BB0A9906-1718-0A4C-9F3D-F01A2CE678C8}" type="datetimeFigureOut">
               <a:rPr lang="de-DE" smtClean="0"/>
-              <a:t>08.10.18</a:t>
+              <a:t>21.10.18</a:t>
             </a:fld>
             <a:endParaRPr lang="de-DE"/>
           </a:p>
@@ -845,7 +845,7 @@
           <a:p>
             <a:fld id="{BB0A9906-1718-0A4C-9F3D-F01A2CE678C8}" type="datetimeFigureOut">
               <a:rPr lang="de-DE" smtClean="0"/>
-              <a:t>08.10.18</a:t>
+              <a:t>21.10.18</a:t>
             </a:fld>
             <a:endParaRPr lang="de-DE"/>
           </a:p>
@@ -1028,7 +1028,7 @@
           <a:p>
             <a:fld id="{BB0A9906-1718-0A4C-9F3D-F01A2CE678C8}" type="datetimeFigureOut">
               <a:rPr lang="de-DE" smtClean="0"/>
-              <a:t>08.10.18</a:t>
+              <a:t>21.10.18</a:t>
             </a:fld>
             <a:endParaRPr lang="de-DE"/>
           </a:p>
@@ -1201,7 +1201,7 @@
           <a:p>
             <a:fld id="{BB0A9906-1718-0A4C-9F3D-F01A2CE678C8}" type="datetimeFigureOut">
               <a:rPr lang="de-DE" smtClean="0"/>
-              <a:t>08.10.18</a:t>
+              <a:t>21.10.18</a:t>
             </a:fld>
             <a:endParaRPr lang="de-DE"/>
           </a:p>
@@ -1479,7 +1479,7 @@
           <a:p>
             <a:fld id="{BB0A9906-1718-0A4C-9F3D-F01A2CE678C8}" type="datetimeFigureOut">
               <a:rPr lang="de-DE" smtClean="0"/>
-              <a:t>08.10.18</a:t>
+              <a:t>21.10.18</a:t>
             </a:fld>
             <a:endParaRPr lang="de-DE"/>
           </a:p>
@@ -1694,7 +1694,7 @@
           <a:p>
             <a:fld id="{BB0A9906-1718-0A4C-9F3D-F01A2CE678C8}" type="datetimeFigureOut">
               <a:rPr lang="de-DE" smtClean="0"/>
-              <a:t>08.10.18</a:t>
+              <a:t>21.10.18</a:t>
             </a:fld>
             <a:endParaRPr lang="de-DE"/>
           </a:p>
@@ -2062,7 +2062,7 @@
           <a:p>
             <a:fld id="{BB0A9906-1718-0A4C-9F3D-F01A2CE678C8}" type="datetimeFigureOut">
               <a:rPr lang="de-DE" smtClean="0"/>
-              <a:t>08.10.18</a:t>
+              <a:t>21.10.18</a:t>
             </a:fld>
             <a:endParaRPr lang="de-DE"/>
           </a:p>
@@ -2203,7 +2203,7 @@
           <a:p>
             <a:fld id="{BB0A9906-1718-0A4C-9F3D-F01A2CE678C8}" type="datetimeFigureOut">
               <a:rPr lang="de-DE" smtClean="0"/>
-              <a:t>08.10.18</a:t>
+              <a:t>21.10.18</a:t>
             </a:fld>
             <a:endParaRPr lang="de-DE"/>
           </a:p>
@@ -2316,7 +2316,7 @@
           <a:p>
             <a:fld id="{BB0A9906-1718-0A4C-9F3D-F01A2CE678C8}" type="datetimeFigureOut">
               <a:rPr lang="de-DE" smtClean="0"/>
-              <a:t>08.10.18</a:t>
+              <a:t>21.10.18</a:t>
             </a:fld>
             <a:endParaRPr lang="de-DE"/>
           </a:p>
@@ -2605,7 +2605,7 @@
           <a:p>
             <a:fld id="{BB0A9906-1718-0A4C-9F3D-F01A2CE678C8}" type="datetimeFigureOut">
               <a:rPr lang="de-DE" smtClean="0"/>
-              <a:t>08.10.18</a:t>
+              <a:t>21.10.18</a:t>
             </a:fld>
             <a:endParaRPr lang="de-DE"/>
           </a:p>
@@ -2896,7 +2896,7 @@
           <a:p>
             <a:fld id="{BB0A9906-1718-0A4C-9F3D-F01A2CE678C8}" type="datetimeFigureOut">
               <a:rPr lang="de-DE" smtClean="0"/>
-              <a:t>08.10.18</a:t>
+              <a:t>21.10.18</a:t>
             </a:fld>
             <a:endParaRPr lang="de-DE"/>
           </a:p>
@@ -3112,7 +3112,7 @@
           <a:p>
             <a:fld id="{BB0A9906-1718-0A4C-9F3D-F01A2CE678C8}" type="datetimeFigureOut">
               <a:rPr lang="de-DE" smtClean="0"/>
-              <a:t>08.10.18</a:t>
+              <a:t>21.10.18</a:t>
             </a:fld>
             <a:endParaRPr lang="de-DE"/>
           </a:p>
@@ -3684,7 +3684,7 @@
             </a:r>
             <a:r>
               <a:rPr lang="de-DE" dirty="0"/>
-              <a:t>)</a:t>
+              <a:t>) ✓</a:t>
             </a:r>
           </a:p>
           <a:p>
